--- a/PPT/머신러닝입문_Rep4_202045016허유진.pptx
+++ b/PPT/머신러닝입문_Rep4_202045016허유진.pptx
@@ -12775,9 +12775,14 @@
               <a:rPr lang="ko-KR" altLang="en-US" dirty="0">
                 <a:latin typeface="210 맨발의청춘 L" panose="02020603020101020101" pitchFamily="18" charset="-127"/>
                 <a:ea typeface="210 맨발의청춘 L" panose="02020603020101020101" pitchFamily="18" charset="-127"/>
+                <a:hlinkClick r:id="rId4"/>
               </a:rPr>
               <a:t>사용한 모델에 관한 깃 주소</a:t>
             </a:r>
+            <a:endParaRPr lang="ko-KR" altLang="en-US" dirty="0">
+              <a:latin typeface="210 맨발의청춘 L" panose="02020603020101020101" pitchFamily="18" charset="-127"/>
+              <a:ea typeface="210 맨발의청춘 L" panose="02020603020101020101" pitchFamily="18" charset="-127"/>
+            </a:endParaRPr>
           </a:p>
         </p:txBody>
       </p:sp>
